--- a/respuesta esquema.pptx
+++ b/respuesta esquema.pptx
@@ -262,7 +262,7 @@
           <a:p>
             <a:fld id="{E33E4121-671B-49B2-849B-FAA71AB2D440}" type="datetimeFigureOut">
               <a:rPr lang="es-NI" smtClean="0"/>
-              <a:t>2/10/2024</a:t>
+              <a:t>4/10/2024</a:t>
             </a:fld>
             <a:endParaRPr lang="es-NI"/>
           </a:p>
@@ -462,7 +462,7 @@
           <a:p>
             <a:fld id="{E33E4121-671B-49B2-849B-FAA71AB2D440}" type="datetimeFigureOut">
               <a:rPr lang="es-NI" smtClean="0"/>
-              <a:t>2/10/2024</a:t>
+              <a:t>4/10/2024</a:t>
             </a:fld>
             <a:endParaRPr lang="es-NI"/>
           </a:p>
@@ -672,7 +672,7 @@
           <a:p>
             <a:fld id="{E33E4121-671B-49B2-849B-FAA71AB2D440}" type="datetimeFigureOut">
               <a:rPr lang="es-NI" smtClean="0"/>
-              <a:t>2/10/2024</a:t>
+              <a:t>4/10/2024</a:t>
             </a:fld>
             <a:endParaRPr lang="es-NI"/>
           </a:p>
@@ -872,7 +872,7 @@
           <a:p>
             <a:fld id="{E33E4121-671B-49B2-849B-FAA71AB2D440}" type="datetimeFigureOut">
               <a:rPr lang="es-NI" smtClean="0"/>
-              <a:t>2/10/2024</a:t>
+              <a:t>4/10/2024</a:t>
             </a:fld>
             <a:endParaRPr lang="es-NI"/>
           </a:p>
@@ -1148,7 +1148,7 @@
           <a:p>
             <a:fld id="{E33E4121-671B-49B2-849B-FAA71AB2D440}" type="datetimeFigureOut">
               <a:rPr lang="es-NI" smtClean="0"/>
-              <a:t>2/10/2024</a:t>
+              <a:t>4/10/2024</a:t>
             </a:fld>
             <a:endParaRPr lang="es-NI"/>
           </a:p>
@@ -1416,7 +1416,7 @@
           <a:p>
             <a:fld id="{E33E4121-671B-49B2-849B-FAA71AB2D440}" type="datetimeFigureOut">
               <a:rPr lang="es-NI" smtClean="0"/>
-              <a:t>2/10/2024</a:t>
+              <a:t>4/10/2024</a:t>
             </a:fld>
             <a:endParaRPr lang="es-NI"/>
           </a:p>
@@ -1831,7 +1831,7 @@
           <a:p>
             <a:fld id="{E33E4121-671B-49B2-849B-FAA71AB2D440}" type="datetimeFigureOut">
               <a:rPr lang="es-NI" smtClean="0"/>
-              <a:t>2/10/2024</a:t>
+              <a:t>4/10/2024</a:t>
             </a:fld>
             <a:endParaRPr lang="es-NI"/>
           </a:p>
@@ -1973,7 +1973,7 @@
           <a:p>
             <a:fld id="{E33E4121-671B-49B2-849B-FAA71AB2D440}" type="datetimeFigureOut">
               <a:rPr lang="es-NI" smtClean="0"/>
-              <a:t>2/10/2024</a:t>
+              <a:t>4/10/2024</a:t>
             </a:fld>
             <a:endParaRPr lang="es-NI"/>
           </a:p>
@@ -2086,7 +2086,7 @@
           <a:p>
             <a:fld id="{E33E4121-671B-49B2-849B-FAA71AB2D440}" type="datetimeFigureOut">
               <a:rPr lang="es-NI" smtClean="0"/>
-              <a:t>2/10/2024</a:t>
+              <a:t>4/10/2024</a:t>
             </a:fld>
             <a:endParaRPr lang="es-NI"/>
           </a:p>
@@ -2399,7 +2399,7 @@
           <a:p>
             <a:fld id="{E33E4121-671B-49B2-849B-FAA71AB2D440}" type="datetimeFigureOut">
               <a:rPr lang="es-NI" smtClean="0"/>
-              <a:t>2/10/2024</a:t>
+              <a:t>4/10/2024</a:t>
             </a:fld>
             <a:endParaRPr lang="es-NI"/>
           </a:p>
@@ -2688,7 +2688,7 @@
           <a:p>
             <a:fld id="{E33E4121-671B-49B2-849B-FAA71AB2D440}" type="datetimeFigureOut">
               <a:rPr lang="es-NI" smtClean="0"/>
-              <a:t>2/10/2024</a:t>
+              <a:t>4/10/2024</a:t>
             </a:fld>
             <a:endParaRPr lang="es-NI"/>
           </a:p>
@@ -2931,7 +2931,7 @@
           <a:p>
             <a:fld id="{E33E4121-671B-49B2-849B-FAA71AB2D440}" type="datetimeFigureOut">
               <a:rPr lang="es-NI" smtClean="0"/>
-              <a:t>2/10/2024</a:t>
+              <a:t>4/10/2024</a:t>
             </a:fld>
             <a:endParaRPr lang="es-NI"/>
           </a:p>
@@ -6009,13 +6009,8 @@
             <a:pPr algn="ctr"/>
             <a:r>
               <a:rPr lang="es-NI" sz="1400" dirty="0"/>
-              <a:t>Voltaje Red </a:t>
-            </a:r>
-            <a:r>
-              <a:rPr lang="es-NI" sz="1400" dirty="0" err="1"/>
-              <a:t>Electrica</a:t>
-            </a:r>
-            <a:endParaRPr lang="es-NI" sz="1400" dirty="0"/>
+              <a:t>Voltaje Red Eléctrica</a:t>
+            </a:r>
           </a:p>
         </p:txBody>
       </p:sp>
@@ -6412,7 +6407,7 @@
         </p:blipFill>
         <p:spPr>
           <a:xfrm>
-            <a:off x="8459424" y="1829624"/>
+            <a:off x="8214095" y="1829624"/>
             <a:ext cx="4652653" cy="2058623"/>
           </a:xfrm>
           <a:prstGeom prst="rect">
